--- a/final/stillman_celina_final.pptx
+++ b/final/stillman_celina_final.pptx
@@ -5,7 +5,7 @@
     <p:sldMasterId id="2147483660" r:id="rId1"/>
   </p:sldMasterIdLst>
   <p:notesMasterIdLst>
-    <p:notesMasterId r:id="rId7"/>
+    <p:notesMasterId r:id="rId8"/>
   </p:notesMasterIdLst>
   <p:sldIdLst>
     <p:sldId id="259" r:id="rId2"/>
@@ -13,6 +13,7 @@
     <p:sldId id="256" r:id="rId4"/>
     <p:sldId id="257" r:id="rId5"/>
     <p:sldId id="258" r:id="rId6"/>
+    <p:sldId id="261" r:id="rId7"/>
   </p:sldIdLst>
   <p:sldSz cx="9144000" cy="6858000" type="screen4x3"/>
   <p:notesSz cx="6858000" cy="9144000"/>
@@ -196,7 +197,7 @@
           <a:p>
             <a:fld id="{6E9FA66D-F853-D149-8F20-ACBC937E1C33}" type="datetimeFigureOut">
               <a:rPr lang="en-US" smtClean="0"/>
-              <a:t>18-04-24</a:t>
+              <a:t>18-04-25</a:t>
             </a:fld>
             <a:endParaRPr lang="en-US"/>
           </a:p>
@@ -943,7 +944,7 @@
           <a:p>
             <a:fld id="{A9E82AFA-A0E5-B749-B315-C3429303C927}" type="datetimeFigureOut">
               <a:rPr lang="en-US" smtClean="0"/>
-              <a:t>18-04-24</a:t>
+              <a:t>18-04-25</a:t>
             </a:fld>
             <a:endParaRPr lang="en-US"/>
           </a:p>
@@ -1113,7 +1114,7 @@
           <a:p>
             <a:fld id="{A9E82AFA-A0E5-B749-B315-C3429303C927}" type="datetimeFigureOut">
               <a:rPr lang="en-US" smtClean="0"/>
-              <a:t>18-04-24</a:t>
+              <a:t>18-04-25</a:t>
             </a:fld>
             <a:endParaRPr lang="en-US"/>
           </a:p>
@@ -1293,7 +1294,7 @@
           <a:p>
             <a:fld id="{A9E82AFA-A0E5-B749-B315-C3429303C927}" type="datetimeFigureOut">
               <a:rPr lang="en-US" smtClean="0"/>
-              <a:t>18-04-24</a:t>
+              <a:t>18-04-25</a:t>
             </a:fld>
             <a:endParaRPr lang="en-US"/>
           </a:p>
@@ -1463,7 +1464,7 @@
           <a:p>
             <a:fld id="{A9E82AFA-A0E5-B749-B315-C3429303C927}" type="datetimeFigureOut">
               <a:rPr lang="en-US" smtClean="0"/>
-              <a:t>18-04-24</a:t>
+              <a:t>18-04-25</a:t>
             </a:fld>
             <a:endParaRPr lang="en-US"/>
           </a:p>
@@ -1709,7 +1710,7 @@
           <a:p>
             <a:fld id="{A9E82AFA-A0E5-B749-B315-C3429303C927}" type="datetimeFigureOut">
               <a:rPr lang="en-US" smtClean="0"/>
-              <a:t>18-04-24</a:t>
+              <a:t>18-04-25</a:t>
             </a:fld>
             <a:endParaRPr lang="en-US"/>
           </a:p>
@@ -1997,7 +1998,7 @@
           <a:p>
             <a:fld id="{A9E82AFA-A0E5-B749-B315-C3429303C927}" type="datetimeFigureOut">
               <a:rPr lang="en-US" smtClean="0"/>
-              <a:t>18-04-24</a:t>
+              <a:t>18-04-25</a:t>
             </a:fld>
             <a:endParaRPr lang="en-US"/>
           </a:p>
@@ -2419,7 +2420,7 @@
           <a:p>
             <a:fld id="{A9E82AFA-A0E5-B749-B315-C3429303C927}" type="datetimeFigureOut">
               <a:rPr lang="en-US" smtClean="0"/>
-              <a:t>18-04-24</a:t>
+              <a:t>18-04-25</a:t>
             </a:fld>
             <a:endParaRPr lang="en-US"/>
           </a:p>
@@ -2537,7 +2538,7 @@
           <a:p>
             <a:fld id="{A9E82AFA-A0E5-B749-B315-C3429303C927}" type="datetimeFigureOut">
               <a:rPr lang="en-US" smtClean="0"/>
-              <a:t>18-04-24</a:t>
+              <a:t>18-04-25</a:t>
             </a:fld>
             <a:endParaRPr lang="en-US"/>
           </a:p>
@@ -2632,7 +2633,7 @@
           <a:p>
             <a:fld id="{A9E82AFA-A0E5-B749-B315-C3429303C927}" type="datetimeFigureOut">
               <a:rPr lang="en-US" smtClean="0"/>
-              <a:t>18-04-24</a:t>
+              <a:t>18-04-25</a:t>
             </a:fld>
             <a:endParaRPr lang="en-US"/>
           </a:p>
@@ -2909,7 +2910,7 @@
           <a:p>
             <a:fld id="{A9E82AFA-A0E5-B749-B315-C3429303C927}" type="datetimeFigureOut">
               <a:rPr lang="en-US" smtClean="0"/>
-              <a:t>18-04-24</a:t>
+              <a:t>18-04-25</a:t>
             </a:fld>
             <a:endParaRPr lang="en-US"/>
           </a:p>
@@ -3166,7 +3167,7 @@
           <a:p>
             <a:fld id="{A9E82AFA-A0E5-B749-B315-C3429303C927}" type="datetimeFigureOut">
               <a:rPr lang="en-US" smtClean="0"/>
-              <a:t>18-04-24</a:t>
+              <a:t>18-04-25</a:t>
             </a:fld>
             <a:endParaRPr lang="en-US"/>
           </a:p>
@@ -3379,7 +3380,7 @@
           <a:p>
             <a:fld id="{A9E82AFA-A0E5-B749-B315-C3429303C927}" type="datetimeFigureOut">
               <a:rPr lang="en-US" smtClean="0"/>
-              <a:t>18-04-24</a:t>
+              <a:t>18-04-25</a:t>
             </a:fld>
             <a:endParaRPr lang="en-US"/>
           </a:p>
@@ -4274,6 +4275,93 @@
   <p:clrMapOvr>
     <a:masterClrMapping/>
   </p:clrMapOvr>
+</p:sld>
+</file>
+
+<file path=ppt/slides/slide6.xml><?xml version="1.0" encoding="utf-8"?>
+<p:sld xmlns:a="http://schemas.openxmlformats.org/drawingml/2006/main" xmlns:r="http://schemas.openxmlformats.org/officeDocument/2006/relationships" xmlns:p="http://schemas.openxmlformats.org/presentationml/2006/main">
+  <p:cSld>
+    <p:spTree>
+      <p:nvGrpSpPr>
+        <p:cNvPr id="1" name=""/>
+        <p:cNvGrpSpPr/>
+        <p:nvPr/>
+      </p:nvGrpSpPr>
+      <p:grpSpPr>
+        <a:xfrm>
+          <a:off x="0" y="0"/>
+          <a:ext cx="0" cy="0"/>
+          <a:chOff x="0" y="0"/>
+          <a:chExt cx="0" cy="0"/>
+        </a:xfrm>
+      </p:grpSpPr>
+      <p:sp>
+        <p:nvSpPr>
+          <p:cNvPr id="2" name="Title 1"/>
+          <p:cNvSpPr>
+            <a:spLocks noGrp="1"/>
+          </p:cNvSpPr>
+          <p:nvPr>
+            <p:ph type="title"/>
+          </p:nvPr>
+        </p:nvSpPr>
+        <p:spPr/>
+        <p:txBody>
+          <a:bodyPr/>
+          <a:lstStyle/>
+          <a:p>
+            <a:endParaRPr lang="en-US"/>
+          </a:p>
+        </p:txBody>
+      </p:sp>
+      <p:sp>
+        <p:nvSpPr>
+          <p:cNvPr id="3" name="Content Placeholder 2"/>
+          <p:cNvSpPr>
+            <a:spLocks noGrp="1"/>
+          </p:cNvSpPr>
+          <p:nvPr>
+            <p:ph idx="1"/>
+          </p:nvPr>
+        </p:nvSpPr>
+        <p:spPr/>
+        <p:txBody>
+          <a:bodyPr/>
+          <a:lstStyle/>
+          <a:p>
+            <a:r>
+              <a:rPr lang="en-US" dirty="0">
+                <a:hlinkClick r:id="rId2"/>
+              </a:rPr>
+              <a:t>https://stil0044.github.io/final/</a:t>
+            </a:r>
+            <a:r>
+              <a:rPr lang="en-US" dirty="0" err="1">
+                <a:hlinkClick r:id="rId2"/>
+              </a:rPr>
+              <a:t>birdielandindex.html</a:t>
+            </a:r>
+            <a:endParaRPr lang="en-US" dirty="0"/>
+          </a:p>
+        </p:txBody>
+      </p:sp>
+    </p:spTree>
+    <p:extLst>
+      <p:ext uri="{BB962C8B-B14F-4D97-AF65-F5344CB8AC3E}">
+        <p14:creationId xmlns:p14="http://schemas.microsoft.com/office/powerpoint/2010/main" val="2207532824"/>
+      </p:ext>
+    </p:extLst>
+  </p:cSld>
+  <p:clrMapOvr>
+    <a:masterClrMapping/>
+  </p:clrMapOvr>
+  <p:timing>
+    <p:tnLst>
+      <p:par>
+        <p:cTn xmlns:p14="http://schemas.microsoft.com/office/powerpoint/2010/main" id="1" dur="indefinite" restart="never" nodeType="tmRoot"/>
+      </p:par>
+    </p:tnLst>
+  </p:timing>
 </p:sld>
 </file>
 
